--- a/output/Sanofi_Test_Report.pptx
+++ b/output/Sanofi_Test_Report.pptx
@@ -3110,6 +3110,146 @@
           <a:p/>
         </p:txBody>
       </p:sp>
+      <p:sp>
+        <p:nvSpPr>
+          <p:cNvPr id="3" name="TextBox 2"/>
+          <p:cNvSpPr txBox="1"/>
+          <p:nvPr/>
+        </p:nvSpPr>
+        <p:spPr>
+          <a:xfrm>
+            <a:off x="457200" y="1645920"/>
+            <a:ext cx="8229600" cy="822960"/>
+          </a:xfrm>
+          <a:prstGeom prst="rect">
+            <a:avLst/>
+          </a:prstGeom>
+          <a:noFill/>
+        </p:spPr>
+        <p:txBody>
+          <a:bodyPr wrap="none">
+            <a:spAutoFit/>
+          </a:bodyPr>
+          <a:lstStyle/>
+          <a:p>
+            <a:pPr algn="ctr"/>
+            <a:r>
+              <a:rPr sz="4400" b="1" i="0">
+                <a:solidFill>
+                  <a:srgbClr val="7C3AED"/>
+                </a:solidFill>
+                <a:latin typeface="Calibri"/>
+              </a:rPr>
+              <a:t>Sanofi ve Rakipleri</a:t>
+            </a:r>
+          </a:p>
+        </p:txBody>
+      </p:sp>
+      <p:sp>
+        <p:nvSpPr>
+          <p:cNvPr id="4" name="TextBox 3"/>
+          <p:cNvSpPr txBox="1"/>
+          <p:nvPr/>
+        </p:nvSpPr>
+        <p:spPr>
+          <a:xfrm>
+            <a:off x="457200" y="2560320"/>
+            <a:ext cx="8229600" cy="731520"/>
+          </a:xfrm>
+          <a:prstGeom prst="rect">
+            <a:avLst/>
+          </a:prstGeom>
+          <a:noFill/>
+        </p:spPr>
+        <p:txBody>
+          <a:bodyPr wrap="none">
+            <a:spAutoFit/>
+          </a:bodyPr>
+          <a:lstStyle/>
+          <a:p>
+            <a:pPr algn="ctr"/>
+            <a:r>
+              <a:rPr sz="3200" b="1" i="0">
+                <a:solidFill>
+                  <a:srgbClr val="1F2937"/>
+                </a:solidFill>
+                <a:latin typeface="Calibri"/>
+              </a:rPr>
+              <a:t>Medya Analizi Raporu</a:t>
+            </a:r>
+          </a:p>
+        </p:txBody>
+      </p:sp>
+      <p:sp>
+        <p:nvSpPr>
+          <p:cNvPr id="5" name="TextBox 4"/>
+          <p:cNvSpPr txBox="1"/>
+          <p:nvPr/>
+        </p:nvSpPr>
+        <p:spPr>
+          <a:xfrm>
+            <a:off x="457200" y="3474720"/>
+            <a:ext cx="8229600" cy="640080"/>
+          </a:xfrm>
+          <a:prstGeom prst="rect">
+            <a:avLst/>
+          </a:prstGeom>
+          <a:noFill/>
+        </p:spPr>
+        <p:txBody>
+          <a:bodyPr wrap="none">
+            <a:spAutoFit/>
+          </a:bodyPr>
+          <a:lstStyle/>
+          <a:p>
+            <a:pPr algn="ctr"/>
+            <a:r>
+              <a:rPr sz="2400" b="0" i="0">
+                <a:solidFill>
+                  <a:srgbClr val="6B7280"/>
+                </a:solidFill>
+                <a:latin typeface="Calibri"/>
+              </a:rPr>
+              <a:t>November 2025</a:t>
+            </a:r>
+          </a:p>
+        </p:txBody>
+      </p:sp>
+      <p:sp>
+        <p:nvSpPr>
+          <p:cNvPr id="6" name="TextBox 5"/>
+          <p:cNvSpPr txBox="1"/>
+          <p:nvPr/>
+        </p:nvSpPr>
+        <p:spPr>
+          <a:xfrm>
+            <a:off x="457200" y="4206240"/>
+            <a:ext cx="8229600" cy="457200"/>
+          </a:xfrm>
+          <a:prstGeom prst="rect">
+            <a:avLst/>
+          </a:prstGeom>
+          <a:noFill/>
+        </p:spPr>
+        <p:txBody>
+          <a:bodyPr wrap="none">
+            <a:spAutoFit/>
+          </a:bodyPr>
+          <a:lstStyle/>
+          <a:p>
+            <a:pPr algn="ctr"/>
+            <a:r>
+              <a:rPr sz="1400" b="0" i="0">
+                <a:solidFill>
+                  <a:srgbClr val="9CA3AF"/>
+                </a:solidFill>
+                <a:latin typeface="Calibri"/>
+              </a:rPr>
+              <a:t>İlaç Sektörü - Medya Takip Raporu</a:t>
+            </a:r>
+          </a:p>
+        </p:txBody>
+      </p:sp>
     </p:spTree>
   </p:cSld>
   <p:clrMapOvr>
@@ -3145,6 +3285,273 @@
           <a:p/>
         </p:txBody>
       </p:sp>
+      <p:sp>
+        <p:nvSpPr>
+          <p:cNvPr id="3" name="TextBox 2"/>
+          <p:cNvSpPr txBox="1"/>
+          <p:nvPr/>
+        </p:nvSpPr>
+        <p:spPr>
+          <a:xfrm>
+            <a:off x="457200" y="457200"/>
+            <a:ext cx="8229600" cy="640080"/>
+          </a:xfrm>
+          <a:prstGeom prst="rect">
+            <a:avLst/>
+          </a:prstGeom>
+          <a:noFill/>
+        </p:spPr>
+        <p:txBody>
+          <a:bodyPr wrap="none">
+            <a:spAutoFit/>
+          </a:bodyPr>
+          <a:lstStyle/>
+          <a:p>
+            <a:pPr algn="l"/>
+            <a:r>
+              <a:rPr sz="3200" b="1" i="0">
+                <a:solidFill>
+                  <a:srgbClr val="1F2937"/>
+                </a:solidFill>
+                <a:latin typeface="Calibri"/>
+              </a:rPr>
+              <a:t>Yönetici Özeti</a:t>
+            </a:r>
+          </a:p>
+        </p:txBody>
+      </p:sp>
+      <p:sp>
+        <p:nvSpPr>
+          <p:cNvPr id="4" name="Rounded Rectangle 3"/>
+          <p:cNvSpPr/>
+          <p:nvPr/>
+        </p:nvSpPr>
+        <p:spPr>
+          <a:xfrm>
+            <a:off x="457200" y="1280160"/>
+            <a:ext cx="8229600" cy="457200"/>
+          </a:xfrm>
+          <a:prstGeom prst="roundRect">
+            <a:avLst/>
+          </a:prstGeom>
+          <a:solidFill>
+            <a:srgbClr val="F5F3FF"/>
+          </a:solidFill>
+          <a:ln w="25400">
+            <a:solidFill>
+              <a:srgbClr val="F5F3FF"/>
+            </a:solidFill>
+          </a:ln>
+        </p:spPr>
+        <p:style>
+          <a:lnRef idx="1">
+            <a:schemeClr val="accent1"/>
+          </a:lnRef>
+          <a:fillRef idx="3">
+            <a:schemeClr val="accent1"/>
+          </a:fillRef>
+          <a:effectRef idx="2">
+            <a:schemeClr val="accent1"/>
+          </a:effectRef>
+          <a:fontRef idx="minor">
+            <a:schemeClr val="lt1"/>
+          </a:fontRef>
+        </p:style>
+        <p:txBody>
+          <a:bodyPr rtlCol="0" anchor="t"/>
+          <a:lstStyle/>
+          <a:p>
+            <a:pPr algn="ctr">
+              <a:defRPr sz="1300" b="1">
+                <a:latin typeface="Calibri"/>
+              </a:defRPr>
+            </a:pPr>
+            <a:r>
+              <a:t>📊 Total TOTAL: 476</a:t>
+            </a:r>
+          </a:p>
+        </p:txBody>
+      </p:sp>
+      <p:sp>
+        <p:nvSpPr>
+          <p:cNvPr id="5" name="Rounded Rectangle 4"/>
+          <p:cNvSpPr/>
+          <p:nvPr/>
+        </p:nvSpPr>
+        <p:spPr>
+          <a:xfrm>
+            <a:off x="457200" y="1920240"/>
+            <a:ext cx="8229600" cy="457200"/>
+          </a:xfrm>
+          <a:prstGeom prst="roundRect">
+            <a:avLst/>
+          </a:prstGeom>
+          <a:solidFill>
+            <a:srgbClr val="F5F3FF"/>
+          </a:solidFill>
+          <a:ln w="25400">
+            <a:solidFill>
+              <a:srgbClr val="F5F3FF"/>
+            </a:solidFill>
+          </a:ln>
+        </p:spPr>
+        <p:style>
+          <a:lnRef idx="1">
+            <a:schemeClr val="accent1"/>
+          </a:lnRef>
+          <a:fillRef idx="3">
+            <a:schemeClr val="accent1"/>
+          </a:fillRef>
+          <a:effectRef idx="2">
+            <a:schemeClr val="accent1"/>
+          </a:effectRef>
+          <a:fontRef idx="minor">
+            <a:schemeClr val="lt1"/>
+          </a:fontRef>
+        </p:style>
+        <p:txBody>
+          <a:bodyPr rtlCol="0" anchor="t"/>
+          <a:lstStyle/>
+          <a:p>
+            <a:pPr algn="ctr">
+              <a:defRPr sz="1300" b="1">
+                <a:latin typeface="Calibri"/>
+              </a:defRPr>
+            </a:pPr>
+            <a:r>
+              <a:t>📊 Average TOTAL: 39.7</a:t>
+            </a:r>
+          </a:p>
+        </p:txBody>
+      </p:sp>
+      <p:sp>
+        <p:nvSpPr>
+          <p:cNvPr id="6" name="Rounded Rectangle 5"/>
+          <p:cNvSpPr/>
+          <p:nvPr/>
+        </p:nvSpPr>
+        <p:spPr>
+          <a:xfrm>
+            <a:off x="457200" y="2560320"/>
+            <a:ext cx="8229600" cy="457200"/>
+          </a:xfrm>
+          <a:prstGeom prst="roundRect">
+            <a:avLst/>
+          </a:prstGeom>
+          <a:solidFill>
+            <a:srgbClr val="F5F3FF"/>
+          </a:solidFill>
+          <a:ln w="25400">
+            <a:solidFill>
+              <a:srgbClr val="F5F3FF"/>
+            </a:solidFill>
+          </a:ln>
+        </p:spPr>
+        <p:style>
+          <a:lnRef idx="1">
+            <a:schemeClr val="accent1"/>
+          </a:lnRef>
+          <a:fillRef idx="3">
+            <a:schemeClr val="accent1"/>
+          </a:fillRef>
+          <a:effectRef idx="2">
+            <a:schemeClr val="accent1"/>
+          </a:effectRef>
+          <a:fontRef idx="minor">
+            <a:schemeClr val="lt1"/>
+          </a:fontRef>
+        </p:style>
+        <p:txBody>
+          <a:bodyPr rtlCol="0" anchor="t"/>
+          <a:lstStyle/>
+          <a:p>
+            <a:pPr algn="ctr">
+              <a:defRPr sz="1300" b="1">
+                <a:latin typeface="Calibri"/>
+              </a:defRPr>
+            </a:pPr>
+            <a:r>
+              <a:t>📊 Total OLUMLU: 294</a:t>
+            </a:r>
+          </a:p>
+        </p:txBody>
+      </p:sp>
+      <p:sp>
+        <p:nvSpPr>
+          <p:cNvPr id="7" name="Rounded Rectangle 6"/>
+          <p:cNvSpPr/>
+          <p:nvPr/>
+        </p:nvSpPr>
+        <p:spPr>
+          <a:xfrm>
+            <a:off x="457200" y="3200399"/>
+            <a:ext cx="8229600" cy="457200"/>
+          </a:xfrm>
+          <a:prstGeom prst="roundRect">
+            <a:avLst/>
+          </a:prstGeom>
+          <a:solidFill>
+            <a:srgbClr val="F5F3FF"/>
+          </a:solidFill>
+          <a:ln w="25400">
+            <a:solidFill>
+              <a:srgbClr val="F5F3FF"/>
+            </a:solidFill>
+          </a:ln>
+        </p:spPr>
+        <p:style>
+          <a:lnRef idx="1">
+            <a:schemeClr val="accent1"/>
+          </a:lnRef>
+          <a:fillRef idx="3">
+            <a:schemeClr val="accent1"/>
+          </a:fillRef>
+          <a:effectRef idx="2">
+            <a:schemeClr val="accent1"/>
+          </a:effectRef>
+          <a:fontRef idx="minor">
+            <a:schemeClr val="lt1"/>
+          </a:fontRef>
+        </p:style>
+        <p:txBody>
+          <a:bodyPr rtlCol="0" anchor="t"/>
+          <a:lstStyle/>
+          <a:p>
+            <a:pPr algn="ctr">
+              <a:defRPr sz="1300" b="1">
+                <a:latin typeface="Calibri"/>
+              </a:defRPr>
+            </a:pPr>
+            <a:r>
+              <a:t>📊 Average OLUMLU: 24.5</a:t>
+            </a:r>
+          </a:p>
+        </p:txBody>
+      </p:sp>
+      <p:pic>
+        <p:nvPicPr>
+          <p:cNvPr id="8" name="Picture 7" descr="tmpzeh0bvd5.png"/>
+          <p:cNvPicPr>
+            <a:picLocks noChangeAspect="1"/>
+          </p:cNvPicPr>
+          <p:nvPr/>
+        </p:nvPicPr>
+        <p:blipFill>
+          <a:blip r:embed="rId2"/>
+          <a:stretch>
+            <a:fillRect/>
+          </a:stretch>
+        </p:blipFill>
+        <p:spPr>
+          <a:xfrm>
+            <a:off x="457200" y="3200400"/>
+            <a:ext cx="8229600" cy="3017520"/>
+          </a:xfrm>
+          <a:prstGeom prst="rect">
+            <a:avLst/>
+          </a:prstGeom>
+        </p:spPr>
+      </p:pic>
     </p:spTree>
   </p:cSld>
   <p:clrMapOvr>
@@ -3180,6 +3587,1330 @@
           <a:p/>
         </p:txBody>
       </p:sp>
+      <p:sp>
+        <p:nvSpPr>
+          <p:cNvPr id="3" name="TextBox 2"/>
+          <p:cNvSpPr txBox="1"/>
+          <p:nvPr/>
+        </p:nvSpPr>
+        <p:spPr>
+          <a:xfrm>
+            <a:off x="457200" y="365760"/>
+            <a:ext cx="8229600" cy="548640"/>
+          </a:xfrm>
+          <a:prstGeom prst="rect">
+            <a:avLst/>
+          </a:prstGeom>
+          <a:noFill/>
+        </p:spPr>
+        <p:txBody>
+          <a:bodyPr wrap="none">
+            <a:spAutoFit/>
+          </a:bodyPr>
+          <a:lstStyle/>
+          <a:p>
+            <a:pPr algn="l"/>
+            <a:r>
+              <a:rPr sz="2800" b="1" i="0">
+                <a:solidFill>
+                  <a:srgbClr val="1F2937"/>
+                </a:solidFill>
+                <a:latin typeface="Calibri"/>
+              </a:rPr>
+              <a:t>Firma Karşılaştırması</a:t>
+            </a:r>
+          </a:p>
+        </p:txBody>
+      </p:sp>
+      <p:graphicFrame>
+        <p:nvGraphicFramePr>
+          <p:cNvPr id="4" name="Table 3"/>
+          <p:cNvGraphicFramePr>
+            <a:graphicFrameLocks noGrp="1"/>
+          </p:cNvGraphicFramePr>
+          <p:nvPr/>
+        </p:nvGraphicFramePr>
+        <p:xfrm>
+          <a:off x="457200" y="1097280"/>
+          <a:ext cx="8229600" cy="2926080"/>
+        </p:xfrm>
+        <a:graphic>
+          <a:graphicData uri="http://schemas.openxmlformats.org/drawingml/2006/table">
+            <a:tbl>
+              <a:tblPr firstRow="1" bandRow="1">
+                <a:tableStyleId>{5C22544A-7EE6-4342-B048-85BDC9FD1C3A}</a:tableStyleId>
+              </a:tblPr>
+              <a:tblGrid>
+                <a:gridCol w="2057400"/>
+                <a:gridCol w="2057400"/>
+                <a:gridCol w="2057400"/>
+                <a:gridCol w="2057400"/>
+              </a:tblGrid>
+              <a:tr h="225083">
+                <a:tc>
+                  <a:txBody>
+                    <a:bodyPr/>
+                    <a:lstStyle/>
+                    <a:p>
+                      <a:pPr algn="ctr"/>
+                      <a:r>
+                        <a:rPr sz="1000" b="1">
+                          <a:solidFill>
+                            <a:srgbClr val="FFFFFF"/>
+                          </a:solidFill>
+                          <a:latin typeface="Calibri"/>
+                        </a:rPr>
+                        <a:t>FİRMALAR</a:t>
+                      </a:r>
+                    </a:p>
+                  </a:txBody>
+                  <a:tcPr>
+                    <a:solidFill>
+                      <a:srgbClr val="7C3AED"/>
+                    </a:solidFill>
+                  </a:tcPr>
+                </a:tc>
+                <a:tc>
+                  <a:txBody>
+                    <a:bodyPr/>
+                    <a:lstStyle/>
+                    <a:p>
+                      <a:pPr algn="ctr"/>
+                      <a:r>
+                        <a:rPr sz="1000" b="1">
+                          <a:solidFill>
+                            <a:srgbClr val="FFFFFF"/>
+                          </a:solidFill>
+                          <a:latin typeface="Calibri"/>
+                        </a:rPr>
+                        <a:t>OLUMLU</a:t>
+                      </a:r>
+                    </a:p>
+                  </a:txBody>
+                  <a:tcPr>
+                    <a:solidFill>
+                      <a:srgbClr val="7C3AED"/>
+                    </a:solidFill>
+                  </a:tcPr>
+                </a:tc>
+                <a:tc>
+                  <a:txBody>
+                    <a:bodyPr/>
+                    <a:lstStyle/>
+                    <a:p>
+                      <a:pPr algn="ctr"/>
+                      <a:r>
+                        <a:rPr sz="1000" b="1">
+                          <a:solidFill>
+                            <a:srgbClr val="FFFFFF"/>
+                          </a:solidFill>
+                          <a:latin typeface="Calibri"/>
+                        </a:rPr>
+                        <a:t>OLUMSUZ</a:t>
+                      </a:r>
+                    </a:p>
+                  </a:txBody>
+                  <a:tcPr>
+                    <a:solidFill>
+                      <a:srgbClr val="7C3AED"/>
+                    </a:solidFill>
+                  </a:tcPr>
+                </a:tc>
+                <a:tc>
+                  <a:txBody>
+                    <a:bodyPr/>
+                    <a:lstStyle/>
+                    <a:p>
+                      <a:pPr algn="ctr"/>
+                      <a:r>
+                        <a:rPr sz="1000" b="1">
+                          <a:solidFill>
+                            <a:srgbClr val="FFFFFF"/>
+                          </a:solidFill>
+                          <a:latin typeface="Calibri"/>
+                        </a:rPr>
+                        <a:t>TOTAL</a:t>
+                      </a:r>
+                    </a:p>
+                  </a:txBody>
+                  <a:tcPr>
+                    <a:solidFill>
+                      <a:srgbClr val="7C3AED"/>
+                    </a:solidFill>
+                  </a:tcPr>
+                </a:tc>
+              </a:tr>
+              <a:tr h="225083">
+                <a:tc>
+                  <a:txBody>
+                    <a:bodyPr/>
+                    <a:lstStyle/>
+                    <a:p>
+                      <a:r>
+                        <a:rPr sz="1000">
+                          <a:solidFill>
+                            <a:srgbClr val="1F2937"/>
+                          </a:solidFill>
+                          <a:latin typeface="Calibri"/>
+                        </a:rPr>
+                        <a:t>JOHNSON &amp; JOHNSON</a:t>
+                      </a:r>
+                    </a:p>
+                  </a:txBody>
+                  <a:tcPr>
+                    <a:solidFill>
+                      <a:srgbClr val="FFFFFF"/>
+                    </a:solidFill>
+                  </a:tcPr>
+                </a:tc>
+                <a:tc>
+                  <a:txBody>
+                    <a:bodyPr/>
+                    <a:lstStyle/>
+                    <a:p>
+                      <a:r>
+                        <a:rPr sz="1000">
+                          <a:solidFill>
+                            <a:srgbClr val="1F2937"/>
+                          </a:solidFill>
+                          <a:latin typeface="Calibri"/>
+                        </a:rPr>
+                        <a:t>44</a:t>
+                      </a:r>
+                    </a:p>
+                  </a:txBody>
+                  <a:tcPr>
+                    <a:solidFill>
+                      <a:srgbClr val="FFFFFF"/>
+                    </a:solidFill>
+                  </a:tcPr>
+                </a:tc>
+                <a:tc>
+                  <a:txBody>
+                    <a:bodyPr/>
+                    <a:lstStyle/>
+                    <a:p>
+                      <a:r>
+                        <a:rPr sz="1000">
+                          <a:solidFill>
+                            <a:srgbClr val="1F2937"/>
+                          </a:solidFill>
+                          <a:latin typeface="Calibri"/>
+                        </a:rPr>
+                        <a:t>23</a:t>
+                      </a:r>
+                    </a:p>
+                  </a:txBody>
+                  <a:tcPr>
+                    <a:solidFill>
+                      <a:srgbClr val="FFFFFF"/>
+                    </a:solidFill>
+                  </a:tcPr>
+                </a:tc>
+                <a:tc>
+                  <a:txBody>
+                    <a:bodyPr/>
+                    <a:lstStyle/>
+                    <a:p>
+                      <a:r>
+                        <a:rPr sz="1000">
+                          <a:solidFill>
+                            <a:srgbClr val="1F2937"/>
+                          </a:solidFill>
+                          <a:latin typeface="Calibri"/>
+                        </a:rPr>
+                        <a:t>67</a:t>
+                      </a:r>
+                    </a:p>
+                  </a:txBody>
+                  <a:tcPr>
+                    <a:solidFill>
+                      <a:srgbClr val="FFFFFF"/>
+                    </a:solidFill>
+                  </a:tcPr>
+                </a:tc>
+              </a:tr>
+              <a:tr h="225083">
+                <a:tc>
+                  <a:txBody>
+                    <a:bodyPr/>
+                    <a:lstStyle/>
+                    <a:p>
+                      <a:r>
+                        <a:rPr sz="1000">
+                          <a:solidFill>
+                            <a:srgbClr val="1F2937"/>
+                          </a:solidFill>
+                          <a:latin typeface="Calibri"/>
+                        </a:rPr>
+                        <a:t>ROCHE</a:t>
+                      </a:r>
+                    </a:p>
+                  </a:txBody>
+                  <a:tcPr>
+                    <a:solidFill>
+                      <a:srgbClr val="F9FAFB"/>
+                    </a:solidFill>
+                  </a:tcPr>
+                </a:tc>
+                <a:tc>
+                  <a:txBody>
+                    <a:bodyPr/>
+                    <a:lstStyle/>
+                    <a:p>
+                      <a:r>
+                        <a:rPr sz="1000">
+                          <a:solidFill>
+                            <a:srgbClr val="1F2937"/>
+                          </a:solidFill>
+                          <a:latin typeface="Calibri"/>
+                        </a:rPr>
+                        <a:t>45</a:t>
+                      </a:r>
+                    </a:p>
+                  </a:txBody>
+                  <a:tcPr>
+                    <a:solidFill>
+                      <a:srgbClr val="F9FAFB"/>
+                    </a:solidFill>
+                  </a:tcPr>
+                </a:tc>
+                <a:tc>
+                  <a:txBody>
+                    <a:bodyPr/>
+                    <a:lstStyle/>
+                    <a:p>
+                      <a:r>
+                        <a:rPr sz="1000">
+                          <a:solidFill>
+                            <a:srgbClr val="1F2937"/>
+                          </a:solidFill>
+                          <a:latin typeface="Calibri"/>
+                        </a:rPr>
+                        <a:t>22</a:t>
+                      </a:r>
+                    </a:p>
+                  </a:txBody>
+                  <a:tcPr>
+                    <a:solidFill>
+                      <a:srgbClr val="F9FAFB"/>
+                    </a:solidFill>
+                  </a:tcPr>
+                </a:tc>
+                <a:tc>
+                  <a:txBody>
+                    <a:bodyPr/>
+                    <a:lstStyle/>
+                    <a:p>
+                      <a:r>
+                        <a:rPr sz="1000">
+                          <a:solidFill>
+                            <a:srgbClr val="1F2937"/>
+                          </a:solidFill>
+                          <a:latin typeface="Calibri"/>
+                        </a:rPr>
+                        <a:t>67</a:t>
+                      </a:r>
+                    </a:p>
+                  </a:txBody>
+                  <a:tcPr>
+                    <a:solidFill>
+                      <a:srgbClr val="F9FAFB"/>
+                    </a:solidFill>
+                  </a:tcPr>
+                </a:tc>
+              </a:tr>
+              <a:tr h="225083">
+                <a:tc>
+                  <a:txBody>
+                    <a:bodyPr/>
+                    <a:lstStyle/>
+                    <a:p>
+                      <a:r>
+                        <a:rPr sz="1000">
+                          <a:solidFill>
+                            <a:srgbClr val="1F2937"/>
+                          </a:solidFill>
+                          <a:latin typeface="Calibri"/>
+                        </a:rPr>
+                        <a:t>NOVO NORDISK</a:t>
+                      </a:r>
+                    </a:p>
+                  </a:txBody>
+                  <a:tcPr>
+                    <a:solidFill>
+                      <a:srgbClr val="FFFFFF"/>
+                    </a:solidFill>
+                  </a:tcPr>
+                </a:tc>
+                <a:tc>
+                  <a:txBody>
+                    <a:bodyPr/>
+                    <a:lstStyle/>
+                    <a:p>
+                      <a:r>
+                        <a:rPr sz="1000">
+                          <a:solidFill>
+                            <a:srgbClr val="1F2937"/>
+                          </a:solidFill>
+                          <a:latin typeface="Calibri"/>
+                        </a:rPr>
+                        <a:t>37</a:t>
+                      </a:r>
+                    </a:p>
+                  </a:txBody>
+                  <a:tcPr>
+                    <a:solidFill>
+                      <a:srgbClr val="FFFFFF"/>
+                    </a:solidFill>
+                  </a:tcPr>
+                </a:tc>
+                <a:tc>
+                  <a:txBody>
+                    <a:bodyPr/>
+                    <a:lstStyle/>
+                    <a:p>
+                      <a:r>
+                        <a:rPr sz="1000">
+                          <a:solidFill>
+                            <a:srgbClr val="1F2937"/>
+                          </a:solidFill>
+                          <a:latin typeface="Calibri"/>
+                        </a:rPr>
+                        <a:t>17</a:t>
+                      </a:r>
+                    </a:p>
+                  </a:txBody>
+                  <a:tcPr>
+                    <a:solidFill>
+                      <a:srgbClr val="FFFFFF"/>
+                    </a:solidFill>
+                  </a:tcPr>
+                </a:tc>
+                <a:tc>
+                  <a:txBody>
+                    <a:bodyPr/>
+                    <a:lstStyle/>
+                    <a:p>
+                      <a:r>
+                        <a:rPr sz="1000">
+                          <a:solidFill>
+                            <a:srgbClr val="1F2937"/>
+                          </a:solidFill>
+                          <a:latin typeface="Calibri"/>
+                        </a:rPr>
+                        <a:t>54</a:t>
+                      </a:r>
+                    </a:p>
+                  </a:txBody>
+                  <a:tcPr>
+                    <a:solidFill>
+                      <a:srgbClr val="FFFFFF"/>
+                    </a:solidFill>
+                  </a:tcPr>
+                </a:tc>
+              </a:tr>
+              <a:tr h="225083">
+                <a:tc>
+                  <a:txBody>
+                    <a:bodyPr/>
+                    <a:lstStyle/>
+                    <a:p>
+                      <a:r>
+                        <a:rPr sz="1000">
+                          <a:solidFill>
+                            <a:srgbClr val="1F2937"/>
+                          </a:solidFill>
+                          <a:latin typeface="Calibri"/>
+                        </a:rPr>
+                        <a:t>NOVARTIS</a:t>
+                      </a:r>
+                    </a:p>
+                  </a:txBody>
+                  <a:tcPr>
+                    <a:solidFill>
+                      <a:srgbClr val="F9FAFB"/>
+                    </a:solidFill>
+                  </a:tcPr>
+                </a:tc>
+                <a:tc>
+                  <a:txBody>
+                    <a:bodyPr/>
+                    <a:lstStyle/>
+                    <a:p>
+                      <a:r>
+                        <a:rPr sz="1000">
+                          <a:solidFill>
+                            <a:srgbClr val="1F2937"/>
+                          </a:solidFill>
+                          <a:latin typeface="Calibri"/>
+                        </a:rPr>
+                        <a:t>29</a:t>
+                      </a:r>
+                    </a:p>
+                  </a:txBody>
+                  <a:tcPr>
+                    <a:solidFill>
+                      <a:srgbClr val="F9FAFB"/>
+                    </a:solidFill>
+                  </a:tcPr>
+                </a:tc>
+                <a:tc>
+                  <a:txBody>
+                    <a:bodyPr/>
+                    <a:lstStyle/>
+                    <a:p>
+                      <a:r>
+                        <a:rPr sz="1000">
+                          <a:solidFill>
+                            <a:srgbClr val="1F2937"/>
+                          </a:solidFill>
+                          <a:latin typeface="Calibri"/>
+                        </a:rPr>
+                        <a:t>15</a:t>
+                      </a:r>
+                    </a:p>
+                  </a:txBody>
+                  <a:tcPr>
+                    <a:solidFill>
+                      <a:srgbClr val="F9FAFB"/>
+                    </a:solidFill>
+                  </a:tcPr>
+                </a:tc>
+                <a:tc>
+                  <a:txBody>
+                    <a:bodyPr/>
+                    <a:lstStyle/>
+                    <a:p>
+                      <a:r>
+                        <a:rPr sz="1000">
+                          <a:solidFill>
+                            <a:srgbClr val="1F2937"/>
+                          </a:solidFill>
+                          <a:latin typeface="Calibri"/>
+                        </a:rPr>
+                        <a:t>44</a:t>
+                      </a:r>
+                    </a:p>
+                  </a:txBody>
+                  <a:tcPr>
+                    <a:solidFill>
+                      <a:srgbClr val="F9FAFB"/>
+                    </a:solidFill>
+                  </a:tcPr>
+                </a:tc>
+              </a:tr>
+              <a:tr h="225083">
+                <a:tc>
+                  <a:txBody>
+                    <a:bodyPr/>
+                    <a:lstStyle/>
+                    <a:p>
+                      <a:r>
+                        <a:rPr sz="1000">
+                          <a:solidFill>
+                            <a:srgbClr val="1F2937"/>
+                          </a:solidFill>
+                          <a:latin typeface="Calibri"/>
+                        </a:rPr>
+                        <a:t>ASTRAZENECA</a:t>
+                      </a:r>
+                    </a:p>
+                  </a:txBody>
+                  <a:tcPr>
+                    <a:solidFill>
+                      <a:srgbClr val="FFFFFF"/>
+                    </a:solidFill>
+                  </a:tcPr>
+                </a:tc>
+                <a:tc>
+                  <a:txBody>
+                    <a:bodyPr/>
+                    <a:lstStyle/>
+                    <a:p>
+                      <a:r>
+                        <a:rPr sz="1000">
+                          <a:solidFill>
+                            <a:srgbClr val="1F2937"/>
+                          </a:solidFill>
+                          <a:latin typeface="Calibri"/>
+                        </a:rPr>
+                        <a:t>29</a:t>
+                      </a:r>
+                    </a:p>
+                  </a:txBody>
+                  <a:tcPr>
+                    <a:solidFill>
+                      <a:srgbClr val="FFFFFF"/>
+                    </a:solidFill>
+                  </a:tcPr>
+                </a:tc>
+                <a:tc>
+                  <a:txBody>
+                    <a:bodyPr/>
+                    <a:lstStyle/>
+                    <a:p>
+                      <a:r>
+                        <a:rPr sz="1000">
+                          <a:solidFill>
+                            <a:srgbClr val="1F2937"/>
+                          </a:solidFill>
+                          <a:latin typeface="Calibri"/>
+                        </a:rPr>
+                        <a:t>14</a:t>
+                      </a:r>
+                    </a:p>
+                  </a:txBody>
+                  <a:tcPr>
+                    <a:solidFill>
+                      <a:srgbClr val="FFFFFF"/>
+                    </a:solidFill>
+                  </a:tcPr>
+                </a:tc>
+                <a:tc>
+                  <a:txBody>
+                    <a:bodyPr/>
+                    <a:lstStyle/>
+                    <a:p>
+                      <a:r>
+                        <a:rPr sz="1000">
+                          <a:solidFill>
+                            <a:srgbClr val="1F2937"/>
+                          </a:solidFill>
+                          <a:latin typeface="Calibri"/>
+                        </a:rPr>
+                        <a:t>43</a:t>
+                      </a:r>
+                    </a:p>
+                  </a:txBody>
+                  <a:tcPr>
+                    <a:solidFill>
+                      <a:srgbClr val="FFFFFF"/>
+                    </a:solidFill>
+                  </a:tcPr>
+                </a:tc>
+              </a:tr>
+              <a:tr h="225083">
+                <a:tc>
+                  <a:txBody>
+                    <a:bodyPr/>
+                    <a:lstStyle/>
+                    <a:p>
+                      <a:r>
+                        <a:rPr sz="1000">
+                          <a:solidFill>
+                            <a:srgbClr val="1F2937"/>
+                          </a:solidFill>
+                          <a:latin typeface="Calibri"/>
+                        </a:rPr>
+                        <a:t>İLKO</a:t>
+                      </a:r>
+                    </a:p>
+                  </a:txBody>
+                  <a:tcPr>
+                    <a:solidFill>
+                      <a:srgbClr val="F9FAFB"/>
+                    </a:solidFill>
+                  </a:tcPr>
+                </a:tc>
+                <a:tc>
+                  <a:txBody>
+                    <a:bodyPr/>
+                    <a:lstStyle/>
+                    <a:p>
+                      <a:r>
+                        <a:rPr sz="1000">
+                          <a:solidFill>
+                            <a:srgbClr val="1F2937"/>
+                          </a:solidFill>
+                          <a:latin typeface="Calibri"/>
+                        </a:rPr>
+                        <a:t>19</a:t>
+                      </a:r>
+                    </a:p>
+                  </a:txBody>
+                  <a:tcPr>
+                    <a:solidFill>
+                      <a:srgbClr val="F9FAFB"/>
+                    </a:solidFill>
+                  </a:tcPr>
+                </a:tc>
+                <a:tc>
+                  <a:txBody>
+                    <a:bodyPr/>
+                    <a:lstStyle/>
+                    <a:p>
+                      <a:r>
+                        <a:rPr sz="1000">
+                          <a:solidFill>
+                            <a:srgbClr val="1F2937"/>
+                          </a:solidFill>
+                          <a:latin typeface="Calibri"/>
+                        </a:rPr>
+                        <a:t>23</a:t>
+                      </a:r>
+                    </a:p>
+                  </a:txBody>
+                  <a:tcPr>
+                    <a:solidFill>
+                      <a:srgbClr val="F9FAFB"/>
+                    </a:solidFill>
+                  </a:tcPr>
+                </a:tc>
+                <a:tc>
+                  <a:txBody>
+                    <a:bodyPr/>
+                    <a:lstStyle/>
+                    <a:p>
+                      <a:r>
+                        <a:rPr sz="1000">
+                          <a:solidFill>
+                            <a:srgbClr val="1F2937"/>
+                          </a:solidFill>
+                          <a:latin typeface="Calibri"/>
+                        </a:rPr>
+                        <a:t>42</a:t>
+                      </a:r>
+                    </a:p>
+                  </a:txBody>
+                  <a:tcPr>
+                    <a:solidFill>
+                      <a:srgbClr val="F9FAFB"/>
+                    </a:solidFill>
+                  </a:tcPr>
+                </a:tc>
+              </a:tr>
+              <a:tr h="225083">
+                <a:tc>
+                  <a:txBody>
+                    <a:bodyPr/>
+                    <a:lstStyle/>
+                    <a:p>
+                      <a:r>
+                        <a:rPr sz="1000">
+                          <a:solidFill>
+                            <a:srgbClr val="1F2937"/>
+                          </a:solidFill>
+                          <a:latin typeface="Calibri"/>
+                        </a:rPr>
+                        <a:t>ABDİ İBRAHİM</a:t>
+                      </a:r>
+                    </a:p>
+                  </a:txBody>
+                  <a:tcPr>
+                    <a:solidFill>
+                      <a:srgbClr val="FFFFFF"/>
+                    </a:solidFill>
+                  </a:tcPr>
+                </a:tc>
+                <a:tc>
+                  <a:txBody>
+                    <a:bodyPr/>
+                    <a:lstStyle/>
+                    <a:p>
+                      <a:r>
+                        <a:rPr sz="1000">
+                          <a:solidFill>
+                            <a:srgbClr val="1F2937"/>
+                          </a:solidFill>
+                          <a:latin typeface="Calibri"/>
+                        </a:rPr>
+                        <a:t>13</a:t>
+                      </a:r>
+                    </a:p>
+                  </a:txBody>
+                  <a:tcPr>
+                    <a:solidFill>
+                      <a:srgbClr val="FFFFFF"/>
+                    </a:solidFill>
+                  </a:tcPr>
+                </a:tc>
+                <a:tc>
+                  <a:txBody>
+                    <a:bodyPr/>
+                    <a:lstStyle/>
+                    <a:p>
+                      <a:r>
+                        <a:rPr sz="1000">
+                          <a:solidFill>
+                            <a:srgbClr val="1F2937"/>
+                          </a:solidFill>
+                          <a:latin typeface="Calibri"/>
+                        </a:rPr>
+                        <a:t>25</a:t>
+                      </a:r>
+                    </a:p>
+                  </a:txBody>
+                  <a:tcPr>
+                    <a:solidFill>
+                      <a:srgbClr val="FFFFFF"/>
+                    </a:solidFill>
+                  </a:tcPr>
+                </a:tc>
+                <a:tc>
+                  <a:txBody>
+                    <a:bodyPr/>
+                    <a:lstStyle/>
+                    <a:p>
+                      <a:r>
+                        <a:rPr sz="1000">
+                          <a:solidFill>
+                            <a:srgbClr val="1F2937"/>
+                          </a:solidFill>
+                          <a:latin typeface="Calibri"/>
+                        </a:rPr>
+                        <a:t>38</a:t>
+                      </a:r>
+                    </a:p>
+                  </a:txBody>
+                  <a:tcPr>
+                    <a:solidFill>
+                      <a:srgbClr val="FFFFFF"/>
+                    </a:solidFill>
+                  </a:tcPr>
+                </a:tc>
+              </a:tr>
+              <a:tr h="225083">
+                <a:tc>
+                  <a:txBody>
+                    <a:bodyPr/>
+                    <a:lstStyle/>
+                    <a:p>
+                      <a:r>
+                        <a:rPr sz="1000">
+                          <a:solidFill>
+                            <a:srgbClr val="1F2937"/>
+                          </a:solidFill>
+                          <a:latin typeface="Calibri"/>
+                        </a:rPr>
+                        <a:t>SANOFI</a:t>
+                      </a:r>
+                    </a:p>
+                  </a:txBody>
+                  <a:tcPr>
+                    <a:solidFill>
+                      <a:srgbClr val="F9FAFB"/>
+                    </a:solidFill>
+                  </a:tcPr>
+                </a:tc>
+                <a:tc>
+                  <a:txBody>
+                    <a:bodyPr/>
+                    <a:lstStyle/>
+                    <a:p>
+                      <a:r>
+                        <a:rPr sz="1000">
+                          <a:solidFill>
+                            <a:srgbClr val="1F2937"/>
+                          </a:solidFill>
+                          <a:latin typeface="Calibri"/>
+                        </a:rPr>
+                        <a:t>15</a:t>
+                      </a:r>
+                    </a:p>
+                  </a:txBody>
+                  <a:tcPr>
+                    <a:solidFill>
+                      <a:srgbClr val="F9FAFB"/>
+                    </a:solidFill>
+                  </a:tcPr>
+                </a:tc>
+                <a:tc>
+                  <a:txBody>
+                    <a:bodyPr/>
+                    <a:lstStyle/>
+                    <a:p>
+                      <a:r>
+                        <a:rPr sz="1000">
+                          <a:solidFill>
+                            <a:srgbClr val="1F2937"/>
+                          </a:solidFill>
+                          <a:latin typeface="Calibri"/>
+                        </a:rPr>
+                        <a:t>18</a:t>
+                      </a:r>
+                    </a:p>
+                  </a:txBody>
+                  <a:tcPr>
+                    <a:solidFill>
+                      <a:srgbClr val="F9FAFB"/>
+                    </a:solidFill>
+                  </a:tcPr>
+                </a:tc>
+                <a:tc>
+                  <a:txBody>
+                    <a:bodyPr/>
+                    <a:lstStyle/>
+                    <a:p>
+                      <a:r>
+                        <a:rPr sz="1000">
+                          <a:solidFill>
+                            <a:srgbClr val="1F2937"/>
+                          </a:solidFill>
+                          <a:latin typeface="Calibri"/>
+                        </a:rPr>
+                        <a:t>33</a:t>
+                      </a:r>
+                    </a:p>
+                  </a:txBody>
+                  <a:tcPr>
+                    <a:solidFill>
+                      <a:srgbClr val="F9FAFB"/>
+                    </a:solidFill>
+                  </a:tcPr>
+                </a:tc>
+              </a:tr>
+              <a:tr h="225083">
+                <a:tc>
+                  <a:txBody>
+                    <a:bodyPr/>
+                    <a:lstStyle/>
+                    <a:p>
+                      <a:r>
+                        <a:rPr sz="1000">
+                          <a:solidFill>
+                            <a:srgbClr val="1F2937"/>
+                          </a:solidFill>
+                          <a:latin typeface="Calibri"/>
+                        </a:rPr>
+                        <a:t>ECZACIBAŞI İLAÇ</a:t>
+                      </a:r>
+                    </a:p>
+                  </a:txBody>
+                  <a:tcPr>
+                    <a:solidFill>
+                      <a:srgbClr val="FFFFFF"/>
+                    </a:solidFill>
+                  </a:tcPr>
+                </a:tc>
+                <a:tc>
+                  <a:txBody>
+                    <a:bodyPr/>
+                    <a:lstStyle/>
+                    <a:p>
+                      <a:r>
+                        <a:rPr sz="1000">
+                          <a:solidFill>
+                            <a:srgbClr val="1F2937"/>
+                          </a:solidFill>
+                          <a:latin typeface="Calibri"/>
+                        </a:rPr>
+                        <a:t>22</a:t>
+                      </a:r>
+                    </a:p>
+                  </a:txBody>
+                  <a:tcPr>
+                    <a:solidFill>
+                      <a:srgbClr val="FFFFFF"/>
+                    </a:solidFill>
+                  </a:tcPr>
+                </a:tc>
+                <a:tc>
+                  <a:txBody>
+                    <a:bodyPr/>
+                    <a:lstStyle/>
+                    <a:p>
+                      <a:r>
+                        <a:rPr sz="1000">
+                          <a:solidFill>
+                            <a:srgbClr val="1F2937"/>
+                          </a:solidFill>
+                          <a:latin typeface="Calibri"/>
+                        </a:rPr>
+                        <a:t>6</a:t>
+                      </a:r>
+                    </a:p>
+                  </a:txBody>
+                  <a:tcPr>
+                    <a:solidFill>
+                      <a:srgbClr val="FFFFFF"/>
+                    </a:solidFill>
+                  </a:tcPr>
+                </a:tc>
+                <a:tc>
+                  <a:txBody>
+                    <a:bodyPr/>
+                    <a:lstStyle/>
+                    <a:p>
+                      <a:r>
+                        <a:rPr sz="1000">
+                          <a:solidFill>
+                            <a:srgbClr val="1F2937"/>
+                          </a:solidFill>
+                          <a:latin typeface="Calibri"/>
+                        </a:rPr>
+                        <a:t>28</a:t>
+                      </a:r>
+                    </a:p>
+                  </a:txBody>
+                  <a:tcPr>
+                    <a:solidFill>
+                      <a:srgbClr val="FFFFFF"/>
+                    </a:solidFill>
+                  </a:tcPr>
+                </a:tc>
+              </a:tr>
+              <a:tr h="225083">
+                <a:tc>
+                  <a:txBody>
+                    <a:bodyPr/>
+                    <a:lstStyle/>
+                    <a:p>
+                      <a:r>
+                        <a:rPr sz="1000">
+                          <a:solidFill>
+                            <a:srgbClr val="1F2937"/>
+                          </a:solidFill>
+                          <a:latin typeface="Calibri"/>
+                        </a:rPr>
+                        <a:t>PFIZER</a:t>
+                      </a:r>
+                    </a:p>
+                  </a:txBody>
+                  <a:tcPr>
+                    <a:solidFill>
+                      <a:srgbClr val="F9FAFB"/>
+                    </a:solidFill>
+                  </a:tcPr>
+                </a:tc>
+                <a:tc>
+                  <a:txBody>
+                    <a:bodyPr/>
+                    <a:lstStyle/>
+                    <a:p>
+                      <a:r>
+                        <a:rPr sz="1000">
+                          <a:solidFill>
+                            <a:srgbClr val="1F2937"/>
+                          </a:solidFill>
+                          <a:latin typeface="Calibri"/>
+                        </a:rPr>
+                        <a:t>14</a:t>
+                      </a:r>
+                    </a:p>
+                  </a:txBody>
+                  <a:tcPr>
+                    <a:solidFill>
+                      <a:srgbClr val="F9FAFB"/>
+                    </a:solidFill>
+                  </a:tcPr>
+                </a:tc>
+                <a:tc>
+                  <a:txBody>
+                    <a:bodyPr/>
+                    <a:lstStyle/>
+                    <a:p>
+                      <a:r>
+                        <a:rPr sz="1000">
+                          <a:solidFill>
+                            <a:srgbClr val="1F2937"/>
+                          </a:solidFill>
+                          <a:latin typeface="Calibri"/>
+                        </a:rPr>
+                        <a:t>9</a:t>
+                      </a:r>
+                    </a:p>
+                  </a:txBody>
+                  <a:tcPr>
+                    <a:solidFill>
+                      <a:srgbClr val="F9FAFB"/>
+                    </a:solidFill>
+                  </a:tcPr>
+                </a:tc>
+                <a:tc>
+                  <a:txBody>
+                    <a:bodyPr/>
+                    <a:lstStyle/>
+                    <a:p>
+                      <a:r>
+                        <a:rPr sz="1000">
+                          <a:solidFill>
+                            <a:srgbClr val="1F2937"/>
+                          </a:solidFill>
+                          <a:latin typeface="Calibri"/>
+                        </a:rPr>
+                        <a:t>23</a:t>
+                      </a:r>
+                    </a:p>
+                  </a:txBody>
+                  <a:tcPr>
+                    <a:solidFill>
+                      <a:srgbClr val="F9FAFB"/>
+                    </a:solidFill>
+                  </a:tcPr>
+                </a:tc>
+              </a:tr>
+              <a:tr h="225083">
+                <a:tc>
+                  <a:txBody>
+                    <a:bodyPr/>
+                    <a:lstStyle/>
+                    <a:p>
+                      <a:r>
+                        <a:rPr sz="1000">
+                          <a:solidFill>
+                            <a:srgbClr val="1F2937"/>
+                          </a:solidFill>
+                          <a:latin typeface="Calibri"/>
+                        </a:rPr>
+                        <a:t>AMGEN</a:t>
+                      </a:r>
+                    </a:p>
+                  </a:txBody>
+                  <a:tcPr>
+                    <a:solidFill>
+                      <a:srgbClr val="FFFFFF"/>
+                    </a:solidFill>
+                  </a:tcPr>
+                </a:tc>
+                <a:tc>
+                  <a:txBody>
+                    <a:bodyPr/>
+                    <a:lstStyle/>
+                    <a:p>
+                      <a:r>
+                        <a:rPr sz="1000">
+                          <a:solidFill>
+                            <a:srgbClr val="1F2937"/>
+                          </a:solidFill>
+                          <a:latin typeface="Calibri"/>
+                        </a:rPr>
+                        <a:t>15</a:t>
+                      </a:r>
+                    </a:p>
+                  </a:txBody>
+                  <a:tcPr>
+                    <a:solidFill>
+                      <a:srgbClr val="FFFFFF"/>
+                    </a:solidFill>
+                  </a:tcPr>
+                </a:tc>
+                <a:tc>
+                  <a:txBody>
+                    <a:bodyPr/>
+                    <a:lstStyle/>
+                    <a:p>
+                      <a:r>
+                        <a:rPr sz="1000">
+                          <a:solidFill>
+                            <a:srgbClr val="1F2937"/>
+                          </a:solidFill>
+                          <a:latin typeface="Calibri"/>
+                        </a:rPr>
+                        <a:t>5</a:t>
+                      </a:r>
+                    </a:p>
+                  </a:txBody>
+                  <a:tcPr>
+                    <a:solidFill>
+                      <a:srgbClr val="FFFFFF"/>
+                    </a:solidFill>
+                  </a:tcPr>
+                </a:tc>
+                <a:tc>
+                  <a:txBody>
+                    <a:bodyPr/>
+                    <a:lstStyle/>
+                    <a:p>
+                      <a:r>
+                        <a:rPr sz="1000">
+                          <a:solidFill>
+                            <a:srgbClr val="1F2937"/>
+                          </a:solidFill>
+                          <a:latin typeface="Calibri"/>
+                        </a:rPr>
+                        <a:t>20</a:t>
+                      </a:r>
+                    </a:p>
+                  </a:txBody>
+                  <a:tcPr>
+                    <a:solidFill>
+                      <a:srgbClr val="FFFFFF"/>
+                    </a:solidFill>
+                  </a:tcPr>
+                </a:tc>
+              </a:tr>
+              <a:tr h="225084">
+                <a:tc>
+                  <a:txBody>
+                    <a:bodyPr/>
+                    <a:lstStyle/>
+                    <a:p>
+                      <a:r>
+                        <a:rPr sz="1000">
+                          <a:solidFill>
+                            <a:srgbClr val="1F2937"/>
+                          </a:solidFill>
+                          <a:latin typeface="Calibri"/>
+                        </a:rPr>
+                        <a:t>BAYER</a:t>
+                      </a:r>
+                    </a:p>
+                  </a:txBody>
+                  <a:tcPr>
+                    <a:solidFill>
+                      <a:srgbClr val="F9FAFB"/>
+                    </a:solidFill>
+                  </a:tcPr>
+                </a:tc>
+                <a:tc>
+                  <a:txBody>
+                    <a:bodyPr/>
+                    <a:lstStyle/>
+                    <a:p>
+                      <a:r>
+                        <a:rPr sz="1000">
+                          <a:solidFill>
+                            <a:srgbClr val="1F2937"/>
+                          </a:solidFill>
+                          <a:latin typeface="Calibri"/>
+                        </a:rPr>
+                        <a:t>12</a:t>
+                      </a:r>
+                    </a:p>
+                  </a:txBody>
+                  <a:tcPr>
+                    <a:solidFill>
+                      <a:srgbClr val="F9FAFB"/>
+                    </a:solidFill>
+                  </a:tcPr>
+                </a:tc>
+                <a:tc>
+                  <a:txBody>
+                    <a:bodyPr/>
+                    <a:lstStyle/>
+                    <a:p>
+                      <a:r>
+                        <a:rPr sz="1000">
+                          <a:solidFill>
+                            <a:srgbClr val="1F2937"/>
+                          </a:solidFill>
+                          <a:latin typeface="Calibri"/>
+                        </a:rPr>
+                        <a:t>5</a:t>
+                      </a:r>
+                    </a:p>
+                  </a:txBody>
+                  <a:tcPr>
+                    <a:solidFill>
+                      <a:srgbClr val="F9FAFB"/>
+                    </a:solidFill>
+                  </a:tcPr>
+                </a:tc>
+                <a:tc>
+                  <a:txBody>
+                    <a:bodyPr/>
+                    <a:lstStyle/>
+                    <a:p>
+                      <a:r>
+                        <a:rPr sz="1000">
+                          <a:solidFill>
+                            <a:srgbClr val="1F2937"/>
+                          </a:solidFill>
+                          <a:latin typeface="Calibri"/>
+                        </a:rPr>
+                        <a:t>17</a:t>
+                      </a:r>
+                    </a:p>
+                  </a:txBody>
+                  <a:tcPr>
+                    <a:solidFill>
+                      <a:srgbClr val="F9FAFB"/>
+                    </a:solidFill>
+                  </a:tcPr>
+                </a:tc>
+              </a:tr>
+            </a:tbl>
+          </a:graphicData>
+        </a:graphic>
+      </p:graphicFrame>
+      <p:sp>
+        <p:nvSpPr>
+          <p:cNvPr id="5" name="TextBox 4"/>
+          <p:cNvSpPr txBox="1"/>
+          <p:nvPr/>
+        </p:nvSpPr>
+        <p:spPr>
+          <a:xfrm>
+            <a:off x="457200" y="4206240"/>
+            <a:ext cx="8229600" cy="2011680"/>
+          </a:xfrm>
+          <a:prstGeom prst="rect">
+            <a:avLst/>
+          </a:prstGeom>
+          <a:noFill/>
+        </p:spPr>
+        <p:txBody>
+          <a:bodyPr wrap="square">
+            <a:spAutoFit/>
+          </a:bodyPr>
+          <a:lstStyle/>
+          <a:p>
+            <a:pPr>
+              <a:spcAft>
+                <a:spcPts val="800"/>
+              </a:spcAft>
+              <a:defRPr sz="1300">
+                <a:solidFill>
+                  <a:srgbClr val="1F2937"/>
+                </a:solidFill>
+                <a:latin typeface="Calibri"/>
+              </a:defRPr>
+            </a:pPr>
+            <a:r>
+              <a:t>🔄 JOHNSON &amp; JOHNSON leads ROCHE by 0 (0.0%) in TOTAL</a:t>
+            </a:r>
+          </a:p>
+          <a:p>
+            <a:pPr>
+              <a:spcAft>
+                <a:spcPts val="800"/>
+              </a:spcAft>
+              <a:defRPr sz="1300">
+                <a:solidFill>
+                  <a:srgbClr val="1F2937"/>
+                </a:solidFill>
+                <a:latin typeface="Calibri"/>
+              </a:defRPr>
+            </a:pPr>
+            <a:r>
+              <a:t>🔄 ROCHE leads JOHNSON &amp; JOHNSON by 1 (2.3%) in OLUMLU</a:t>
+            </a:r>
+          </a:p>
+          <a:p>
+            <a:pPr>
+              <a:spcAft>
+                <a:spcPts val="800"/>
+              </a:spcAft>
+              <a:defRPr sz="1300">
+                <a:solidFill>
+                  <a:srgbClr val="1F2937"/>
+                </a:solidFill>
+                <a:latin typeface="Calibri"/>
+              </a:defRPr>
+            </a:pPr>
+            <a:r>
+              <a:t>🏆 Top 3 in TOTAL: JOHNSON &amp; JOHNSON, ROCHE, NOVO NORDISK</a:t>
+            </a:r>
+          </a:p>
+          <a:p>
+            <a:pPr>
+              <a:spcAft>
+                <a:spcPts val="800"/>
+              </a:spcAft>
+              <a:defRPr sz="1300">
+                <a:solidFill>
+                  <a:srgbClr val="1F2937"/>
+                </a:solidFill>
+                <a:latin typeface="Calibri"/>
+              </a:defRPr>
+            </a:pPr>
+            <a:r>
+              <a:t>🏆 Top 3 in OLUMLU: ROCHE, JOHNSON &amp; JOHNSON, NOVO NORDISK</a:t>
+            </a:r>
+          </a:p>
+        </p:txBody>
+      </p:sp>
     </p:spTree>
   </p:cSld>
   <p:clrMapOvr>
@@ -3215,6 +4946,147 @@
           <a:p/>
         </p:txBody>
       </p:sp>
+      <p:sp>
+        <p:nvSpPr>
+          <p:cNvPr id="3" name="TextBox 2"/>
+          <p:cNvSpPr txBox="1"/>
+          <p:nvPr/>
+        </p:nvSpPr>
+        <p:spPr>
+          <a:xfrm>
+            <a:off x="457200" y="365760"/>
+            <a:ext cx="8229600" cy="548640"/>
+          </a:xfrm>
+          <a:prstGeom prst="rect">
+            <a:avLst/>
+          </a:prstGeom>
+          <a:noFill/>
+        </p:spPr>
+        <p:txBody>
+          <a:bodyPr wrap="none">
+            <a:spAutoFit/>
+          </a:bodyPr>
+          <a:lstStyle/>
+          <a:p>
+            <a:pPr algn="l"/>
+            <a:r>
+              <a:rPr sz="2800" b="1" i="0">
+                <a:solidFill>
+                  <a:srgbClr val="1F2937"/>
+                </a:solidFill>
+                <a:latin typeface="Calibri"/>
+              </a:rPr>
+              <a:t>Algı Dağılımı</a:t>
+            </a:r>
+          </a:p>
+        </p:txBody>
+      </p:sp>
+      <p:sp>
+        <p:nvSpPr>
+          <p:cNvPr id="4" name="Rectangle 3"/>
+          <p:cNvSpPr/>
+          <p:nvPr/>
+        </p:nvSpPr>
+        <p:spPr>
+          <a:xfrm>
+            <a:off x="457200" y="1097280"/>
+            <a:ext cx="8229600" cy="3200400"/>
+          </a:xfrm>
+          <a:prstGeom prst="rect">
+            <a:avLst/>
+          </a:prstGeom>
+          <a:solidFill>
+            <a:srgbClr val="F3F4F6"/>
+          </a:solidFill>
+          <a:ln>
+            <a:solidFill>
+              <a:srgbClr val="D1D5DB"/>
+            </a:solidFill>
+          </a:ln>
+        </p:spPr>
+        <p:style>
+          <a:lnRef idx="1">
+            <a:schemeClr val="accent1"/>
+          </a:lnRef>
+          <a:fillRef idx="3">
+            <a:schemeClr val="accent1"/>
+          </a:fillRef>
+          <a:effectRef idx="2">
+            <a:schemeClr val="accent1"/>
+          </a:effectRef>
+          <a:fontRef idx="minor">
+            <a:schemeClr val="lt1"/>
+          </a:fontRef>
+        </p:style>
+        <p:txBody>
+          <a:bodyPr rtlCol="0" anchor="t"/>
+          <a:lstStyle/>
+          <a:p>
+            <a:pPr algn="ctr">
+              <a:defRPr sz="1200">
+                <a:solidFill>
+                  <a:srgbClr val="9CA3AF"/>
+                </a:solidFill>
+              </a:defRPr>
+            </a:pPr>
+            <a:r>
+              <a:t>[STACKED_COLUMN Chart]</a:t>
+            </a:r>
+            <a:br/>
+            <a:r>
+              <a:t>No data available</a:t>
+            </a:r>
+          </a:p>
+        </p:txBody>
+      </p:sp>
+      <p:pic>
+        <p:nvPicPr>
+          <p:cNvPr id="5" name="Picture 4" descr="tmpogkvofrs.png"/>
+          <p:cNvPicPr>
+            <a:picLocks noChangeAspect="1"/>
+          </p:cNvPicPr>
+          <p:nvPr/>
+        </p:nvPicPr>
+        <p:blipFill>
+          <a:blip r:embed="rId2"/>
+          <a:stretch>
+            <a:fillRect/>
+          </a:stretch>
+        </p:blipFill>
+        <p:spPr>
+          <a:xfrm>
+            <a:off x="457200" y="4572000"/>
+            <a:ext cx="4114800" cy="1828800"/>
+          </a:xfrm>
+          <a:prstGeom prst="rect">
+            <a:avLst/>
+          </a:prstGeom>
+        </p:spPr>
+      </p:pic>
+      <p:pic>
+        <p:nvPicPr>
+          <p:cNvPr id="6" name="Picture 5" descr="tmpo3bcv7nv.png"/>
+          <p:cNvPicPr>
+            <a:picLocks noChangeAspect="1"/>
+          </p:cNvPicPr>
+          <p:nvPr/>
+        </p:nvPicPr>
+        <p:blipFill>
+          <a:blip r:embed="rId3"/>
+          <a:stretch>
+            <a:fillRect/>
+          </a:stretch>
+        </p:blipFill>
+        <p:spPr>
+          <a:xfrm>
+            <a:off x="4754880" y="4572000"/>
+            <a:ext cx="3931920" cy="1828800"/>
+          </a:xfrm>
+          <a:prstGeom prst="rect">
+            <a:avLst/>
+          </a:prstGeom>
+        </p:spPr>
+      </p:pic>
     </p:spTree>
   </p:cSld>
   <p:clrMapOvr>
@@ -3250,6 +5122,114 @@
           <a:p/>
         </p:txBody>
       </p:sp>
+      <p:sp>
+        <p:nvSpPr>
+          <p:cNvPr id="3" name="TextBox 2"/>
+          <p:cNvSpPr txBox="1"/>
+          <p:nvPr/>
+        </p:nvSpPr>
+        <p:spPr>
+          <a:xfrm>
+            <a:off x="457200" y="365760"/>
+            <a:ext cx="8229600" cy="548640"/>
+          </a:xfrm>
+          <a:prstGeom prst="rect">
+            <a:avLst/>
+          </a:prstGeom>
+          <a:noFill/>
+        </p:spPr>
+        <p:txBody>
+          <a:bodyPr wrap="none">
+            <a:spAutoFit/>
+          </a:bodyPr>
+          <a:lstStyle/>
+          <a:p>
+            <a:pPr algn="l"/>
+            <a:r>
+              <a:rPr sz="2800" b="1" i="0">
+                <a:solidFill>
+                  <a:srgbClr val="1F2937"/>
+                </a:solidFill>
+                <a:latin typeface="Calibri"/>
+              </a:rPr>
+              <a:t>Önde Gelen Firmalar</a:t>
+            </a:r>
+          </a:p>
+        </p:txBody>
+      </p:sp>
+      <p:pic>
+        <p:nvPicPr>
+          <p:cNvPr id="4" name="Picture 3" descr="tmpm1lkaonk.png"/>
+          <p:cNvPicPr>
+            <a:picLocks noChangeAspect="1"/>
+          </p:cNvPicPr>
+          <p:nvPr/>
+        </p:nvPicPr>
+        <p:blipFill>
+          <a:blip r:embed="rId2"/>
+          <a:stretch>
+            <a:fillRect/>
+          </a:stretch>
+        </p:blipFill>
+        <p:spPr>
+          <a:xfrm>
+            <a:off x="457200" y="1097280"/>
+            <a:ext cx="8229600" cy="3200400"/>
+          </a:xfrm>
+          <a:prstGeom prst="rect">
+            <a:avLst/>
+          </a:prstGeom>
+        </p:spPr>
+      </p:pic>
+      <p:sp>
+        <p:nvSpPr>
+          <p:cNvPr id="5" name="TextBox 4"/>
+          <p:cNvSpPr txBox="1"/>
+          <p:nvPr/>
+        </p:nvSpPr>
+        <p:spPr>
+          <a:xfrm>
+            <a:off x="457200" y="4572000"/>
+            <a:ext cx="8229600" cy="1645920"/>
+          </a:xfrm>
+          <a:prstGeom prst="rect">
+            <a:avLst/>
+          </a:prstGeom>
+          <a:noFill/>
+        </p:spPr>
+        <p:txBody>
+          <a:bodyPr wrap="none">
+            <a:spAutoFit/>
+          </a:bodyPr>
+          <a:lstStyle/>
+          <a:p>
+            <a:pPr>
+              <a:spcAft>
+                <a:spcPts val="800"/>
+              </a:spcAft>
+              <a:defRPr sz="1400">
+                <a:latin typeface="Calibri"/>
+              </a:defRPr>
+            </a:pPr>
+            <a:r>
+              <a:t>1. Highest TOTAL: JOHNSON &amp; JOHNSON (67)</a:t>
+            </a:r>
+          </a:p>
+          <a:p>
+            <a:pPr>
+              <a:spcAft>
+                <a:spcPts val="800"/>
+              </a:spcAft>
+              <a:defRPr sz="1400">
+                <a:latin typeface="Calibri"/>
+              </a:defRPr>
+            </a:pPr>
+            <a:r>
+              <a:t>2. Top 3 in TOTAL: JOHNSON &amp; JOHNSON, ROCHE, NOVO NORDISK</a:t>
+            </a:r>
+          </a:p>
+        </p:txBody>
+      </p:sp>
     </p:spTree>
   </p:cSld>
   <p:clrMapOvr>
@@ -3285,6 +5265,637 @@
           <a:p/>
         </p:txBody>
       </p:sp>
+      <p:sp>
+        <p:nvSpPr>
+          <p:cNvPr id="3" name="TextBox 2"/>
+          <p:cNvSpPr txBox="1"/>
+          <p:nvPr/>
+        </p:nvSpPr>
+        <p:spPr>
+          <a:xfrm>
+            <a:off x="457200" y="365760"/>
+            <a:ext cx="8229600" cy="548640"/>
+          </a:xfrm>
+          <a:prstGeom prst="rect">
+            <a:avLst/>
+          </a:prstGeom>
+          <a:noFill/>
+        </p:spPr>
+        <p:txBody>
+          <a:bodyPr wrap="none">
+            <a:spAutoFit/>
+          </a:bodyPr>
+          <a:lstStyle/>
+          <a:p>
+            <a:pPr algn="l"/>
+            <a:r>
+              <a:rPr sz="2800" b="1" i="0">
+                <a:solidFill>
+                  <a:srgbClr val="1F2937"/>
+                </a:solidFill>
+                <a:latin typeface="Calibri"/>
+              </a:rPr>
+              <a:t>Pazar Görünürlüğü</a:t>
+            </a:r>
+          </a:p>
+        </p:txBody>
+      </p:sp>
+      <p:pic>
+        <p:nvPicPr>
+          <p:cNvPr id="4" name="Picture 3" descr="tmpz1sy8h3q.png"/>
+          <p:cNvPicPr>
+            <a:picLocks noChangeAspect="1"/>
+          </p:cNvPicPr>
+          <p:nvPr/>
+        </p:nvPicPr>
+        <p:blipFill>
+          <a:blip r:embed="rId2"/>
+          <a:stretch>
+            <a:fillRect/>
+          </a:stretch>
+        </p:blipFill>
+        <p:spPr>
+          <a:xfrm>
+            <a:off x="457200" y="1097280"/>
+            <a:ext cx="8229600" cy="3200400"/>
+          </a:xfrm>
+          <a:prstGeom prst="rect">
+            <a:avLst/>
+          </a:prstGeom>
+        </p:spPr>
+      </p:pic>
+      <p:graphicFrame>
+        <p:nvGraphicFramePr>
+          <p:cNvPr id="5" name="Table 4"/>
+          <p:cNvGraphicFramePr>
+            <a:graphicFrameLocks noGrp="1"/>
+          </p:cNvGraphicFramePr>
+          <p:nvPr/>
+        </p:nvGraphicFramePr>
+        <p:xfrm>
+          <a:off x="457200" y="4572000"/>
+          <a:ext cx="8229600" cy="1645920"/>
+        </p:xfrm>
+        <a:graphic>
+          <a:graphicData uri="http://schemas.openxmlformats.org/drawingml/2006/table">
+            <a:tbl>
+              <a:tblPr firstRow="1" bandRow="1">
+                <a:tableStyleId>{5C22544A-7EE6-4342-B048-85BDC9FD1C3A}</a:tableStyleId>
+              </a:tblPr>
+              <a:tblGrid>
+                <a:gridCol w="2057400"/>
+                <a:gridCol w="2057400"/>
+                <a:gridCol w="2057400"/>
+                <a:gridCol w="2057400"/>
+              </a:tblGrid>
+              <a:tr h="274320">
+                <a:tc>
+                  <a:txBody>
+                    <a:bodyPr/>
+                    <a:lstStyle/>
+                    <a:p>
+                      <a:pPr algn="ctr"/>
+                      <a:r>
+                        <a:rPr sz="1100" b="1">
+                          <a:solidFill>
+                            <a:srgbClr val="FFFFFF"/>
+                          </a:solidFill>
+                          <a:latin typeface="Calibri"/>
+                        </a:rPr>
+                        <a:t>FİRMALAR</a:t>
+                      </a:r>
+                    </a:p>
+                  </a:txBody>
+                  <a:tcPr>
+                    <a:solidFill>
+                      <a:srgbClr val="7C3AED"/>
+                    </a:solidFill>
+                  </a:tcPr>
+                </a:tc>
+                <a:tc>
+                  <a:txBody>
+                    <a:bodyPr/>
+                    <a:lstStyle/>
+                    <a:p>
+                      <a:pPr algn="ctr"/>
+                      <a:r>
+                        <a:rPr sz="1100" b="1">
+                          <a:solidFill>
+                            <a:srgbClr val="FFFFFF"/>
+                          </a:solidFill>
+                          <a:latin typeface="Calibri"/>
+                        </a:rPr>
+                        <a:t>OLUMLU</a:t>
+                      </a:r>
+                    </a:p>
+                  </a:txBody>
+                  <a:tcPr>
+                    <a:solidFill>
+                      <a:srgbClr val="7C3AED"/>
+                    </a:solidFill>
+                  </a:tcPr>
+                </a:tc>
+                <a:tc>
+                  <a:txBody>
+                    <a:bodyPr/>
+                    <a:lstStyle/>
+                    <a:p>
+                      <a:pPr algn="ctr"/>
+                      <a:r>
+                        <a:rPr sz="1100" b="1">
+                          <a:solidFill>
+                            <a:srgbClr val="FFFFFF"/>
+                          </a:solidFill>
+                          <a:latin typeface="Calibri"/>
+                        </a:rPr>
+                        <a:t>OLUMSUZ</a:t>
+                      </a:r>
+                    </a:p>
+                  </a:txBody>
+                  <a:tcPr>
+                    <a:solidFill>
+                      <a:srgbClr val="7C3AED"/>
+                    </a:solidFill>
+                  </a:tcPr>
+                </a:tc>
+                <a:tc>
+                  <a:txBody>
+                    <a:bodyPr/>
+                    <a:lstStyle/>
+                    <a:p>
+                      <a:pPr algn="ctr"/>
+                      <a:r>
+                        <a:rPr sz="1100" b="1">
+                          <a:solidFill>
+                            <a:srgbClr val="FFFFFF"/>
+                          </a:solidFill>
+                          <a:latin typeface="Calibri"/>
+                        </a:rPr>
+                        <a:t>TOTAL</a:t>
+                      </a:r>
+                    </a:p>
+                  </a:txBody>
+                  <a:tcPr>
+                    <a:solidFill>
+                      <a:srgbClr val="7C3AED"/>
+                    </a:solidFill>
+                  </a:tcPr>
+                </a:tc>
+              </a:tr>
+              <a:tr h="274320">
+                <a:tc>
+                  <a:txBody>
+                    <a:bodyPr/>
+                    <a:lstStyle/>
+                    <a:p>
+                      <a:r>
+                        <a:rPr sz="1100">
+                          <a:solidFill>
+                            <a:srgbClr val="000000"/>
+                          </a:solidFill>
+                          <a:latin typeface="Calibri"/>
+                        </a:rPr>
+                        <a:t>JOHNSON &amp; JOHNSON</a:t>
+                      </a:r>
+                    </a:p>
+                  </a:txBody>
+                  <a:tcPr>
+                    <a:solidFill>
+                      <a:srgbClr val="FFFFFF"/>
+                    </a:solidFill>
+                  </a:tcPr>
+                </a:tc>
+                <a:tc>
+                  <a:txBody>
+                    <a:bodyPr/>
+                    <a:lstStyle/>
+                    <a:p>
+                      <a:r>
+                        <a:rPr sz="1100">
+                          <a:solidFill>
+                            <a:srgbClr val="000000"/>
+                          </a:solidFill>
+                          <a:latin typeface="Calibri"/>
+                        </a:rPr>
+                        <a:t>44</a:t>
+                      </a:r>
+                    </a:p>
+                  </a:txBody>
+                  <a:tcPr>
+                    <a:solidFill>
+                      <a:srgbClr val="FFFFFF"/>
+                    </a:solidFill>
+                  </a:tcPr>
+                </a:tc>
+                <a:tc>
+                  <a:txBody>
+                    <a:bodyPr/>
+                    <a:lstStyle/>
+                    <a:p>
+                      <a:r>
+                        <a:rPr sz="1100">
+                          <a:solidFill>
+                            <a:srgbClr val="000000"/>
+                          </a:solidFill>
+                          <a:latin typeface="Calibri"/>
+                        </a:rPr>
+                        <a:t>23</a:t>
+                      </a:r>
+                    </a:p>
+                  </a:txBody>
+                  <a:tcPr>
+                    <a:solidFill>
+                      <a:srgbClr val="FFFFFF"/>
+                    </a:solidFill>
+                  </a:tcPr>
+                </a:tc>
+                <a:tc>
+                  <a:txBody>
+                    <a:bodyPr/>
+                    <a:lstStyle/>
+                    <a:p>
+                      <a:r>
+                        <a:rPr sz="1100">
+                          <a:solidFill>
+                            <a:srgbClr val="000000"/>
+                          </a:solidFill>
+                          <a:latin typeface="Calibri"/>
+                        </a:rPr>
+                        <a:t>67</a:t>
+                      </a:r>
+                    </a:p>
+                  </a:txBody>
+                  <a:tcPr>
+                    <a:solidFill>
+                      <a:srgbClr val="FFFFFF"/>
+                    </a:solidFill>
+                  </a:tcPr>
+                </a:tc>
+              </a:tr>
+              <a:tr h="274320">
+                <a:tc>
+                  <a:txBody>
+                    <a:bodyPr/>
+                    <a:lstStyle/>
+                    <a:p>
+                      <a:r>
+                        <a:rPr sz="1100">
+                          <a:solidFill>
+                            <a:srgbClr val="000000"/>
+                          </a:solidFill>
+                          <a:latin typeface="Calibri"/>
+                        </a:rPr>
+                        <a:t>ROCHE</a:t>
+                      </a:r>
+                    </a:p>
+                  </a:txBody>
+                  <a:tcPr>
+                    <a:solidFill>
+                      <a:srgbClr val="F3F4F6"/>
+                    </a:solidFill>
+                  </a:tcPr>
+                </a:tc>
+                <a:tc>
+                  <a:txBody>
+                    <a:bodyPr/>
+                    <a:lstStyle/>
+                    <a:p>
+                      <a:r>
+                        <a:rPr sz="1100">
+                          <a:solidFill>
+                            <a:srgbClr val="000000"/>
+                          </a:solidFill>
+                          <a:latin typeface="Calibri"/>
+                        </a:rPr>
+                        <a:t>45</a:t>
+                      </a:r>
+                    </a:p>
+                  </a:txBody>
+                  <a:tcPr>
+                    <a:solidFill>
+                      <a:srgbClr val="F3F4F6"/>
+                    </a:solidFill>
+                  </a:tcPr>
+                </a:tc>
+                <a:tc>
+                  <a:txBody>
+                    <a:bodyPr/>
+                    <a:lstStyle/>
+                    <a:p>
+                      <a:r>
+                        <a:rPr sz="1100">
+                          <a:solidFill>
+                            <a:srgbClr val="000000"/>
+                          </a:solidFill>
+                          <a:latin typeface="Calibri"/>
+                        </a:rPr>
+                        <a:t>22</a:t>
+                      </a:r>
+                    </a:p>
+                  </a:txBody>
+                  <a:tcPr>
+                    <a:solidFill>
+                      <a:srgbClr val="F3F4F6"/>
+                    </a:solidFill>
+                  </a:tcPr>
+                </a:tc>
+                <a:tc>
+                  <a:txBody>
+                    <a:bodyPr/>
+                    <a:lstStyle/>
+                    <a:p>
+                      <a:r>
+                        <a:rPr sz="1100">
+                          <a:solidFill>
+                            <a:srgbClr val="000000"/>
+                          </a:solidFill>
+                          <a:latin typeface="Calibri"/>
+                        </a:rPr>
+                        <a:t>67</a:t>
+                      </a:r>
+                    </a:p>
+                  </a:txBody>
+                  <a:tcPr>
+                    <a:solidFill>
+                      <a:srgbClr val="F3F4F6"/>
+                    </a:solidFill>
+                  </a:tcPr>
+                </a:tc>
+              </a:tr>
+              <a:tr h="274320">
+                <a:tc>
+                  <a:txBody>
+                    <a:bodyPr/>
+                    <a:lstStyle/>
+                    <a:p>
+                      <a:r>
+                        <a:rPr sz="1100">
+                          <a:solidFill>
+                            <a:srgbClr val="000000"/>
+                          </a:solidFill>
+                          <a:latin typeface="Calibri"/>
+                        </a:rPr>
+                        <a:t>NOVO NORDISK</a:t>
+                      </a:r>
+                    </a:p>
+                  </a:txBody>
+                  <a:tcPr>
+                    <a:solidFill>
+                      <a:srgbClr val="FFFFFF"/>
+                    </a:solidFill>
+                  </a:tcPr>
+                </a:tc>
+                <a:tc>
+                  <a:txBody>
+                    <a:bodyPr/>
+                    <a:lstStyle/>
+                    <a:p>
+                      <a:r>
+                        <a:rPr sz="1100">
+                          <a:solidFill>
+                            <a:srgbClr val="000000"/>
+                          </a:solidFill>
+                          <a:latin typeface="Calibri"/>
+                        </a:rPr>
+                        <a:t>37</a:t>
+                      </a:r>
+                    </a:p>
+                  </a:txBody>
+                  <a:tcPr>
+                    <a:solidFill>
+                      <a:srgbClr val="FFFFFF"/>
+                    </a:solidFill>
+                  </a:tcPr>
+                </a:tc>
+                <a:tc>
+                  <a:txBody>
+                    <a:bodyPr/>
+                    <a:lstStyle/>
+                    <a:p>
+                      <a:r>
+                        <a:rPr sz="1100">
+                          <a:solidFill>
+                            <a:srgbClr val="000000"/>
+                          </a:solidFill>
+                          <a:latin typeface="Calibri"/>
+                        </a:rPr>
+                        <a:t>17</a:t>
+                      </a:r>
+                    </a:p>
+                  </a:txBody>
+                  <a:tcPr>
+                    <a:solidFill>
+                      <a:srgbClr val="FFFFFF"/>
+                    </a:solidFill>
+                  </a:tcPr>
+                </a:tc>
+                <a:tc>
+                  <a:txBody>
+                    <a:bodyPr/>
+                    <a:lstStyle/>
+                    <a:p>
+                      <a:r>
+                        <a:rPr sz="1100">
+                          <a:solidFill>
+                            <a:srgbClr val="000000"/>
+                          </a:solidFill>
+                          <a:latin typeface="Calibri"/>
+                        </a:rPr>
+                        <a:t>54</a:t>
+                      </a:r>
+                    </a:p>
+                  </a:txBody>
+                  <a:tcPr>
+                    <a:solidFill>
+                      <a:srgbClr val="FFFFFF"/>
+                    </a:solidFill>
+                  </a:tcPr>
+                </a:tc>
+              </a:tr>
+              <a:tr h="274320">
+                <a:tc>
+                  <a:txBody>
+                    <a:bodyPr/>
+                    <a:lstStyle/>
+                    <a:p>
+                      <a:r>
+                        <a:rPr sz="1100">
+                          <a:solidFill>
+                            <a:srgbClr val="000000"/>
+                          </a:solidFill>
+                          <a:latin typeface="Calibri"/>
+                        </a:rPr>
+                        <a:t>NOVARTIS</a:t>
+                      </a:r>
+                    </a:p>
+                  </a:txBody>
+                  <a:tcPr>
+                    <a:solidFill>
+                      <a:srgbClr val="F3F4F6"/>
+                    </a:solidFill>
+                  </a:tcPr>
+                </a:tc>
+                <a:tc>
+                  <a:txBody>
+                    <a:bodyPr/>
+                    <a:lstStyle/>
+                    <a:p>
+                      <a:r>
+                        <a:rPr sz="1100">
+                          <a:solidFill>
+                            <a:srgbClr val="000000"/>
+                          </a:solidFill>
+                          <a:latin typeface="Calibri"/>
+                        </a:rPr>
+                        <a:t>29</a:t>
+                      </a:r>
+                    </a:p>
+                  </a:txBody>
+                  <a:tcPr>
+                    <a:solidFill>
+                      <a:srgbClr val="F3F4F6"/>
+                    </a:solidFill>
+                  </a:tcPr>
+                </a:tc>
+                <a:tc>
+                  <a:txBody>
+                    <a:bodyPr/>
+                    <a:lstStyle/>
+                    <a:p>
+                      <a:r>
+                        <a:rPr sz="1100">
+                          <a:solidFill>
+                            <a:srgbClr val="000000"/>
+                          </a:solidFill>
+                          <a:latin typeface="Calibri"/>
+                        </a:rPr>
+                        <a:t>15</a:t>
+                      </a:r>
+                    </a:p>
+                  </a:txBody>
+                  <a:tcPr>
+                    <a:solidFill>
+                      <a:srgbClr val="F3F4F6"/>
+                    </a:solidFill>
+                  </a:tcPr>
+                </a:tc>
+                <a:tc>
+                  <a:txBody>
+                    <a:bodyPr/>
+                    <a:lstStyle/>
+                    <a:p>
+                      <a:r>
+                        <a:rPr sz="1100">
+                          <a:solidFill>
+                            <a:srgbClr val="000000"/>
+                          </a:solidFill>
+                          <a:latin typeface="Calibri"/>
+                        </a:rPr>
+                        <a:t>44</a:t>
+                      </a:r>
+                    </a:p>
+                  </a:txBody>
+                  <a:tcPr>
+                    <a:solidFill>
+                      <a:srgbClr val="F3F4F6"/>
+                    </a:solidFill>
+                  </a:tcPr>
+                </a:tc>
+              </a:tr>
+              <a:tr h="274320">
+                <a:tc>
+                  <a:txBody>
+                    <a:bodyPr/>
+                    <a:lstStyle/>
+                    <a:p>
+                      <a:r>
+                        <a:rPr sz="1100">
+                          <a:solidFill>
+                            <a:srgbClr val="000000"/>
+                          </a:solidFill>
+                          <a:latin typeface="Calibri"/>
+                        </a:rPr>
+                        <a:t>ASTRAZENECA</a:t>
+                      </a:r>
+                    </a:p>
+                  </a:txBody>
+                  <a:tcPr>
+                    <a:solidFill>
+                      <a:srgbClr val="FFFFFF"/>
+                    </a:solidFill>
+                  </a:tcPr>
+                </a:tc>
+                <a:tc>
+                  <a:txBody>
+                    <a:bodyPr/>
+                    <a:lstStyle/>
+                    <a:p>
+                      <a:r>
+                        <a:rPr sz="1100">
+                          <a:solidFill>
+                            <a:srgbClr val="000000"/>
+                          </a:solidFill>
+                          <a:latin typeface="Calibri"/>
+                        </a:rPr>
+                        <a:t>29</a:t>
+                      </a:r>
+                    </a:p>
+                  </a:txBody>
+                  <a:tcPr>
+                    <a:solidFill>
+                      <a:srgbClr val="FFFFFF"/>
+                    </a:solidFill>
+                  </a:tcPr>
+                </a:tc>
+                <a:tc>
+                  <a:txBody>
+                    <a:bodyPr/>
+                    <a:lstStyle/>
+                    <a:p>
+                      <a:r>
+                        <a:rPr sz="1100">
+                          <a:solidFill>
+                            <a:srgbClr val="000000"/>
+                          </a:solidFill>
+                          <a:latin typeface="Calibri"/>
+                        </a:rPr>
+                        <a:t>14</a:t>
+                      </a:r>
+                    </a:p>
+                  </a:txBody>
+                  <a:tcPr>
+                    <a:solidFill>
+                      <a:srgbClr val="FFFFFF"/>
+                    </a:solidFill>
+                  </a:tcPr>
+                </a:tc>
+                <a:tc>
+                  <a:txBody>
+                    <a:bodyPr/>
+                    <a:lstStyle/>
+                    <a:p>
+                      <a:r>
+                        <a:rPr sz="1100">
+                          <a:solidFill>
+                            <a:srgbClr val="000000"/>
+                          </a:solidFill>
+                          <a:latin typeface="Calibri"/>
+                        </a:rPr>
+                        <a:t>43</a:t>
+                      </a:r>
+                    </a:p>
+                  </a:txBody>
+                  <a:tcPr>
+                    <a:solidFill>
+                      <a:srgbClr val="FFFFFF"/>
+                    </a:solidFill>
+                  </a:tcPr>
+                </a:tc>
+              </a:tr>
+            </a:tbl>
+          </a:graphicData>
+        </a:graphic>
+      </p:graphicFrame>
     </p:spTree>
   </p:cSld>
   <p:clrMapOvr>
